--- a/lectures/05.singleton/singleton.pptx
+++ b/lectures/05.singleton/singleton.pptx
@@ -221,7 +221,7 @@
           <a:p>
             <a:fld id="{2F3DCB6D-0B48-4A3D-B663-06C3F903A9D3}" type="datetimeFigureOut">
               <a:rPr lang="ru-RU" smtClean="0"/>
-              <a:t>01.03.2018</a:t>
+              <a:t>01.10.2020</a:t>
             </a:fld>
             <a:endParaRPr lang="ru-RU"/>
           </a:p>
@@ -734,7 +734,7 @@
           <a:p>
             <a:fld id="{2590F9C9-AB92-4E86-B698-DEC9BF4350FF}" type="datetimeFigureOut">
               <a:rPr lang="ru-RU" smtClean="0"/>
-              <a:t>01.03.2018</a:t>
+              <a:t>01.10.2020</a:t>
             </a:fld>
             <a:endParaRPr lang="ru-RU"/>
           </a:p>
@@ -951,7 +951,7 @@
           <a:p>
             <a:fld id="{2590F9C9-AB92-4E86-B698-DEC9BF4350FF}" type="datetimeFigureOut">
               <a:rPr lang="ru-RU" smtClean="0"/>
-              <a:t>01.03.2018</a:t>
+              <a:t>01.10.2020</a:t>
             </a:fld>
             <a:endParaRPr lang="ru-RU"/>
           </a:p>
@@ -1223,7 +1223,7 @@
           <a:p>
             <a:fld id="{2590F9C9-AB92-4E86-B698-DEC9BF4350FF}" type="datetimeFigureOut">
               <a:rPr lang="ru-RU" smtClean="0"/>
-              <a:t>01.03.2018</a:t>
+              <a:t>01.10.2020</a:t>
             </a:fld>
             <a:endParaRPr lang="ru-RU"/>
           </a:p>
@@ -1398,7 +1398,7 @@
           <a:p>
             <a:fld id="{2590F9C9-AB92-4E86-B698-DEC9BF4350FF}" type="datetimeFigureOut">
               <a:rPr lang="ru-RU" smtClean="0"/>
-              <a:t>01.03.2018</a:t>
+              <a:t>01.10.2020</a:t>
             </a:fld>
             <a:endParaRPr lang="ru-RU"/>
           </a:p>
@@ -1752,7 +1752,7 @@
           <a:p>
             <a:fld id="{2590F9C9-AB92-4E86-B698-DEC9BF4350FF}" type="datetimeFigureOut">
               <a:rPr lang="ru-RU" smtClean="0"/>
-              <a:t>01.03.2018</a:t>
+              <a:t>01.10.2020</a:t>
             </a:fld>
             <a:endParaRPr lang="ru-RU"/>
           </a:p>
@@ -2037,7 +2037,7 @@
           <a:p>
             <a:fld id="{2590F9C9-AB92-4E86-B698-DEC9BF4350FF}" type="datetimeFigureOut">
               <a:rPr lang="ru-RU" smtClean="0"/>
-              <a:t>01.03.2018</a:t>
+              <a:t>01.10.2020</a:t>
             </a:fld>
             <a:endParaRPr lang="ru-RU"/>
           </a:p>
@@ -2459,7 +2459,7 @@
           <a:p>
             <a:fld id="{2590F9C9-AB92-4E86-B698-DEC9BF4350FF}" type="datetimeFigureOut">
               <a:rPr lang="ru-RU" smtClean="0"/>
-              <a:t>01.03.2018</a:t>
+              <a:t>01.10.2020</a:t>
             </a:fld>
             <a:endParaRPr lang="ru-RU"/>
           </a:p>
@@ -2572,7 +2572,7 @@
           <a:p>
             <a:fld id="{2590F9C9-AB92-4E86-B698-DEC9BF4350FF}" type="datetimeFigureOut">
               <a:rPr lang="ru-RU" smtClean="0"/>
-              <a:t>01.03.2018</a:t>
+              <a:t>01.10.2020</a:t>
             </a:fld>
             <a:endParaRPr lang="ru-RU"/>
           </a:p>
@@ -2662,7 +2662,7 @@
           <a:p>
             <a:fld id="{2590F9C9-AB92-4E86-B698-DEC9BF4350FF}" type="datetimeFigureOut">
               <a:rPr lang="ru-RU" smtClean="0"/>
-              <a:t>01.03.2018</a:t>
+              <a:t>01.10.2020</a:t>
             </a:fld>
             <a:endParaRPr lang="ru-RU"/>
           </a:p>
@@ -2940,7 +2940,7 @@
           <a:p>
             <a:fld id="{2590F9C9-AB92-4E86-B698-DEC9BF4350FF}" type="datetimeFigureOut">
               <a:rPr lang="ru-RU" smtClean="0"/>
-              <a:t>01.03.2018</a:t>
+              <a:t>01.10.2020</a:t>
             </a:fld>
             <a:endParaRPr lang="ru-RU"/>
           </a:p>
@@ -3302,7 +3302,7 @@
           <a:p>
             <a:fld id="{2590F9C9-AB92-4E86-B698-DEC9BF4350FF}" type="datetimeFigureOut">
               <a:rPr lang="ru-RU" smtClean="0"/>
-              <a:t>01.03.2018</a:t>
+              <a:t>01.10.2020</a:t>
             </a:fld>
             <a:endParaRPr lang="ru-RU"/>
           </a:p>
@@ -3727,7 +3727,7 @@
           <a:p>
             <a:fld id="{2590F9C9-AB92-4E86-B698-DEC9BF4350FF}" type="datetimeFigureOut">
               <a:rPr lang="ru-RU" smtClean="0"/>
-              <a:t>01.03.2018</a:t>
+              <a:t>01.10.2020</a:t>
             </a:fld>
             <a:endParaRPr lang="ru-RU"/>
           </a:p>
@@ -4187,13 +4187,6 @@
   <p:clrMapOvr>
     <a:masterClrMapping/>
   </p:clrMapOvr>
-  <p:timing>
-    <p:tnLst>
-      <p:par>
-        <p:cTn id="1" dur="indefinite" restart="never" nodeType="tmRoot"/>
-      </p:par>
-    </p:tnLst>
-  </p:timing>
 </p:sld>
 </file>
 
@@ -4295,9 +4288,340 @@
   <p:timing>
     <p:tnLst>
       <p:par>
-        <p:cTn id="1" dur="indefinite" restart="never" nodeType="tmRoot"/>
+        <p:cTn id="1" dur="indefinite" restart="never" nodeType="tmRoot">
+          <p:childTnLst>
+            <p:seq concurrent="1" nextAc="seek">
+              <p:cTn id="2" dur="indefinite" nodeType="mainSeq">
+                <p:childTnLst>
+                  <p:par>
+                    <p:cTn id="3" fill="hold">
+                      <p:stCondLst>
+                        <p:cond delay="indefinite"/>
+                      </p:stCondLst>
+                      <p:childTnLst>
+                        <p:par>
+                          <p:cTn id="4" fill="hold">
+                            <p:stCondLst>
+                              <p:cond delay="0"/>
+                            </p:stCondLst>
+                            <p:childTnLst>
+                              <p:par>
+                                <p:cTn id="5" presetID="10" presetClass="entr" presetSubtype="0" fill="hold" grpId="0" nodeType="clickEffect">
+                                  <p:stCondLst>
+                                    <p:cond delay="0"/>
+                                  </p:stCondLst>
+                                  <p:childTnLst>
+                                    <p:set>
+                                      <p:cBhvr>
+                                        <p:cTn id="6" dur="1" fill="hold">
+                                          <p:stCondLst>
+                                            <p:cond delay="0"/>
+                                          </p:stCondLst>
+                                        </p:cTn>
+                                        <p:tgtEl>
+                                          <p:spTgt spid="3">
+                                            <p:txEl>
+                                              <p:pRg st="0" end="0"/>
+                                            </p:txEl>
+                                          </p:spTgt>
+                                        </p:tgtEl>
+                                        <p:attrNameLst>
+                                          <p:attrName>style.visibility</p:attrName>
+                                        </p:attrNameLst>
+                                      </p:cBhvr>
+                                      <p:to>
+                                        <p:strVal val="visible"/>
+                                      </p:to>
+                                    </p:set>
+                                    <p:animEffect transition="in" filter="fade">
+                                      <p:cBhvr>
+                                        <p:cTn id="7" dur="500"/>
+                                        <p:tgtEl>
+                                          <p:spTgt spid="3">
+                                            <p:txEl>
+                                              <p:pRg st="0" end="0"/>
+                                            </p:txEl>
+                                          </p:spTgt>
+                                        </p:tgtEl>
+                                      </p:cBhvr>
+                                    </p:animEffect>
+                                  </p:childTnLst>
+                                </p:cTn>
+                              </p:par>
+                            </p:childTnLst>
+                          </p:cTn>
+                        </p:par>
+                      </p:childTnLst>
+                    </p:cTn>
+                  </p:par>
+                  <p:par>
+                    <p:cTn id="8" fill="hold">
+                      <p:stCondLst>
+                        <p:cond delay="indefinite"/>
+                      </p:stCondLst>
+                      <p:childTnLst>
+                        <p:par>
+                          <p:cTn id="9" fill="hold">
+                            <p:stCondLst>
+                              <p:cond delay="0"/>
+                            </p:stCondLst>
+                            <p:childTnLst>
+                              <p:par>
+                                <p:cTn id="10" presetID="10" presetClass="entr" presetSubtype="0" fill="hold" grpId="0" nodeType="clickEffect">
+                                  <p:stCondLst>
+                                    <p:cond delay="0"/>
+                                  </p:stCondLst>
+                                  <p:childTnLst>
+                                    <p:set>
+                                      <p:cBhvr>
+                                        <p:cTn id="11" dur="1" fill="hold">
+                                          <p:stCondLst>
+                                            <p:cond delay="0"/>
+                                          </p:stCondLst>
+                                        </p:cTn>
+                                        <p:tgtEl>
+                                          <p:spTgt spid="3">
+                                            <p:txEl>
+                                              <p:pRg st="1" end="1"/>
+                                            </p:txEl>
+                                          </p:spTgt>
+                                        </p:tgtEl>
+                                        <p:attrNameLst>
+                                          <p:attrName>style.visibility</p:attrName>
+                                        </p:attrNameLst>
+                                      </p:cBhvr>
+                                      <p:to>
+                                        <p:strVal val="visible"/>
+                                      </p:to>
+                                    </p:set>
+                                    <p:animEffect transition="in" filter="fade">
+                                      <p:cBhvr>
+                                        <p:cTn id="12" dur="500"/>
+                                        <p:tgtEl>
+                                          <p:spTgt spid="3">
+                                            <p:txEl>
+                                              <p:pRg st="1" end="1"/>
+                                            </p:txEl>
+                                          </p:spTgt>
+                                        </p:tgtEl>
+                                      </p:cBhvr>
+                                    </p:animEffect>
+                                  </p:childTnLst>
+                                </p:cTn>
+                              </p:par>
+                            </p:childTnLst>
+                          </p:cTn>
+                        </p:par>
+                      </p:childTnLst>
+                    </p:cTn>
+                  </p:par>
+                  <p:par>
+                    <p:cTn id="13" fill="hold">
+                      <p:stCondLst>
+                        <p:cond delay="indefinite"/>
+                      </p:stCondLst>
+                      <p:childTnLst>
+                        <p:par>
+                          <p:cTn id="14" fill="hold">
+                            <p:stCondLst>
+                              <p:cond delay="0"/>
+                            </p:stCondLst>
+                            <p:childTnLst>
+                              <p:par>
+                                <p:cTn id="15" presetID="10" presetClass="entr" presetSubtype="0" fill="hold" grpId="0" nodeType="clickEffect">
+                                  <p:stCondLst>
+                                    <p:cond delay="0"/>
+                                  </p:stCondLst>
+                                  <p:childTnLst>
+                                    <p:set>
+                                      <p:cBhvr>
+                                        <p:cTn id="16" dur="1" fill="hold">
+                                          <p:stCondLst>
+                                            <p:cond delay="0"/>
+                                          </p:stCondLst>
+                                        </p:cTn>
+                                        <p:tgtEl>
+                                          <p:spTgt spid="3">
+                                            <p:txEl>
+                                              <p:pRg st="2" end="2"/>
+                                            </p:txEl>
+                                          </p:spTgt>
+                                        </p:tgtEl>
+                                        <p:attrNameLst>
+                                          <p:attrName>style.visibility</p:attrName>
+                                        </p:attrNameLst>
+                                      </p:cBhvr>
+                                      <p:to>
+                                        <p:strVal val="visible"/>
+                                      </p:to>
+                                    </p:set>
+                                    <p:animEffect transition="in" filter="fade">
+                                      <p:cBhvr>
+                                        <p:cTn id="17" dur="500"/>
+                                        <p:tgtEl>
+                                          <p:spTgt spid="3">
+                                            <p:txEl>
+                                              <p:pRg st="2" end="2"/>
+                                            </p:txEl>
+                                          </p:spTgt>
+                                        </p:tgtEl>
+                                      </p:cBhvr>
+                                    </p:animEffect>
+                                  </p:childTnLst>
+                                </p:cTn>
+                              </p:par>
+                            </p:childTnLst>
+                          </p:cTn>
+                        </p:par>
+                      </p:childTnLst>
+                    </p:cTn>
+                  </p:par>
+                  <p:par>
+                    <p:cTn id="18" fill="hold">
+                      <p:stCondLst>
+                        <p:cond delay="indefinite"/>
+                      </p:stCondLst>
+                      <p:childTnLst>
+                        <p:par>
+                          <p:cTn id="19" fill="hold">
+                            <p:stCondLst>
+                              <p:cond delay="0"/>
+                            </p:stCondLst>
+                            <p:childTnLst>
+                              <p:par>
+                                <p:cTn id="20" presetID="10" presetClass="entr" presetSubtype="0" fill="hold" grpId="0" nodeType="clickEffect">
+                                  <p:stCondLst>
+                                    <p:cond delay="0"/>
+                                  </p:stCondLst>
+                                  <p:childTnLst>
+                                    <p:set>
+                                      <p:cBhvr>
+                                        <p:cTn id="21" dur="1" fill="hold">
+                                          <p:stCondLst>
+                                            <p:cond delay="0"/>
+                                          </p:stCondLst>
+                                        </p:cTn>
+                                        <p:tgtEl>
+                                          <p:spTgt spid="3">
+                                            <p:txEl>
+                                              <p:pRg st="3" end="3"/>
+                                            </p:txEl>
+                                          </p:spTgt>
+                                        </p:tgtEl>
+                                        <p:attrNameLst>
+                                          <p:attrName>style.visibility</p:attrName>
+                                        </p:attrNameLst>
+                                      </p:cBhvr>
+                                      <p:to>
+                                        <p:strVal val="visible"/>
+                                      </p:to>
+                                    </p:set>
+                                    <p:animEffect transition="in" filter="fade">
+                                      <p:cBhvr>
+                                        <p:cTn id="22" dur="500"/>
+                                        <p:tgtEl>
+                                          <p:spTgt spid="3">
+                                            <p:txEl>
+                                              <p:pRg st="3" end="3"/>
+                                            </p:txEl>
+                                          </p:spTgt>
+                                        </p:tgtEl>
+                                      </p:cBhvr>
+                                    </p:animEffect>
+                                  </p:childTnLst>
+                                </p:cTn>
+                              </p:par>
+                            </p:childTnLst>
+                          </p:cTn>
+                        </p:par>
+                      </p:childTnLst>
+                    </p:cTn>
+                  </p:par>
+                  <p:par>
+                    <p:cTn id="23" fill="hold">
+                      <p:stCondLst>
+                        <p:cond delay="indefinite"/>
+                      </p:stCondLst>
+                      <p:childTnLst>
+                        <p:par>
+                          <p:cTn id="24" fill="hold">
+                            <p:stCondLst>
+                              <p:cond delay="0"/>
+                            </p:stCondLst>
+                            <p:childTnLst>
+                              <p:par>
+                                <p:cTn id="25" presetID="10" presetClass="entr" presetSubtype="0" fill="hold" grpId="0" nodeType="clickEffect">
+                                  <p:stCondLst>
+                                    <p:cond delay="0"/>
+                                  </p:stCondLst>
+                                  <p:childTnLst>
+                                    <p:set>
+                                      <p:cBhvr>
+                                        <p:cTn id="26" dur="1" fill="hold">
+                                          <p:stCondLst>
+                                            <p:cond delay="0"/>
+                                          </p:stCondLst>
+                                        </p:cTn>
+                                        <p:tgtEl>
+                                          <p:spTgt spid="3">
+                                            <p:txEl>
+                                              <p:pRg st="4" end="4"/>
+                                            </p:txEl>
+                                          </p:spTgt>
+                                        </p:tgtEl>
+                                        <p:attrNameLst>
+                                          <p:attrName>style.visibility</p:attrName>
+                                        </p:attrNameLst>
+                                      </p:cBhvr>
+                                      <p:to>
+                                        <p:strVal val="visible"/>
+                                      </p:to>
+                                    </p:set>
+                                    <p:animEffect transition="in" filter="fade">
+                                      <p:cBhvr>
+                                        <p:cTn id="27" dur="500"/>
+                                        <p:tgtEl>
+                                          <p:spTgt spid="3">
+                                            <p:txEl>
+                                              <p:pRg st="4" end="4"/>
+                                            </p:txEl>
+                                          </p:spTgt>
+                                        </p:tgtEl>
+                                      </p:cBhvr>
+                                    </p:animEffect>
+                                  </p:childTnLst>
+                                </p:cTn>
+                              </p:par>
+                            </p:childTnLst>
+                          </p:cTn>
+                        </p:par>
+                      </p:childTnLst>
+                    </p:cTn>
+                  </p:par>
+                </p:childTnLst>
+              </p:cTn>
+              <p:prevCondLst>
+                <p:cond evt="onPrev" delay="0">
+                  <p:tgtEl>
+                    <p:sldTgt/>
+                  </p:tgtEl>
+                </p:cond>
+              </p:prevCondLst>
+              <p:nextCondLst>
+                <p:cond evt="onNext" delay="0">
+                  <p:tgtEl>
+                    <p:sldTgt/>
+                  </p:tgtEl>
+                </p:cond>
+              </p:nextCondLst>
+            </p:seq>
+          </p:childTnLst>
+        </p:cTn>
       </p:par>
     </p:tnLst>
+    <p:bldLst>
+      <p:bldP spid="3" grpId="0" build="p"/>
+    </p:bldLst>
   </p:timing>
 </p:sld>
 </file>
@@ -4354,13 +4678,21 @@
         <p:spPr/>
         <p:txBody>
           <a:bodyPr>
-            <a:normAutofit fontScale="92500" lnSpcReduction="20000"/>
+            <a:normAutofit fontScale="92500" lnSpcReduction="10000"/>
           </a:bodyPr>
           <a:lstStyle/>
           <a:p>
             <a:r>
               <a:rPr lang="ru-RU" dirty="0"/>
-              <a:t>Глобальные объекты могут быть вредны для объектно-ориентированного программирования</a:t>
+              <a:t>Глобальные </a:t>
+            </a:r>
+            <a:r>
+              <a:rPr lang="ru-RU"/>
+              <a:t>объекты вредны </a:t>
+            </a:r>
+            <a:r>
+              <a:rPr lang="ru-RU" dirty="0"/>
+              <a:t>для объектно-ориентированного программирования</a:t>
             </a:r>
             <a:endParaRPr lang="en-US" dirty="0"/>
           </a:p>
@@ -4416,9 +4748,340 @@
   <p:timing>
     <p:tnLst>
       <p:par>
-        <p:cTn id="1" dur="indefinite" restart="never" nodeType="tmRoot"/>
+        <p:cTn id="1" dur="indefinite" restart="never" nodeType="tmRoot">
+          <p:childTnLst>
+            <p:seq concurrent="1" nextAc="seek">
+              <p:cTn id="2" dur="indefinite" nodeType="mainSeq">
+                <p:childTnLst>
+                  <p:par>
+                    <p:cTn id="3" fill="hold">
+                      <p:stCondLst>
+                        <p:cond delay="indefinite"/>
+                      </p:stCondLst>
+                      <p:childTnLst>
+                        <p:par>
+                          <p:cTn id="4" fill="hold">
+                            <p:stCondLst>
+                              <p:cond delay="0"/>
+                            </p:stCondLst>
+                            <p:childTnLst>
+                              <p:par>
+                                <p:cTn id="5" presetID="10" presetClass="entr" presetSubtype="0" fill="hold" grpId="0" nodeType="clickEffect">
+                                  <p:stCondLst>
+                                    <p:cond delay="0"/>
+                                  </p:stCondLst>
+                                  <p:childTnLst>
+                                    <p:set>
+                                      <p:cBhvr>
+                                        <p:cTn id="6" dur="1" fill="hold">
+                                          <p:stCondLst>
+                                            <p:cond delay="0"/>
+                                          </p:stCondLst>
+                                        </p:cTn>
+                                        <p:tgtEl>
+                                          <p:spTgt spid="3">
+                                            <p:txEl>
+                                              <p:pRg st="0" end="0"/>
+                                            </p:txEl>
+                                          </p:spTgt>
+                                        </p:tgtEl>
+                                        <p:attrNameLst>
+                                          <p:attrName>style.visibility</p:attrName>
+                                        </p:attrNameLst>
+                                      </p:cBhvr>
+                                      <p:to>
+                                        <p:strVal val="visible"/>
+                                      </p:to>
+                                    </p:set>
+                                    <p:animEffect transition="in" filter="fade">
+                                      <p:cBhvr>
+                                        <p:cTn id="7" dur="500"/>
+                                        <p:tgtEl>
+                                          <p:spTgt spid="3">
+                                            <p:txEl>
+                                              <p:pRg st="0" end="0"/>
+                                            </p:txEl>
+                                          </p:spTgt>
+                                        </p:tgtEl>
+                                      </p:cBhvr>
+                                    </p:animEffect>
+                                  </p:childTnLst>
+                                </p:cTn>
+                              </p:par>
+                            </p:childTnLst>
+                          </p:cTn>
+                        </p:par>
+                      </p:childTnLst>
+                    </p:cTn>
+                  </p:par>
+                  <p:par>
+                    <p:cTn id="8" fill="hold">
+                      <p:stCondLst>
+                        <p:cond delay="indefinite"/>
+                      </p:stCondLst>
+                      <p:childTnLst>
+                        <p:par>
+                          <p:cTn id="9" fill="hold">
+                            <p:stCondLst>
+                              <p:cond delay="0"/>
+                            </p:stCondLst>
+                            <p:childTnLst>
+                              <p:par>
+                                <p:cTn id="10" presetID="10" presetClass="entr" presetSubtype="0" fill="hold" grpId="0" nodeType="clickEffect">
+                                  <p:stCondLst>
+                                    <p:cond delay="0"/>
+                                  </p:stCondLst>
+                                  <p:childTnLst>
+                                    <p:set>
+                                      <p:cBhvr>
+                                        <p:cTn id="11" dur="1" fill="hold">
+                                          <p:stCondLst>
+                                            <p:cond delay="0"/>
+                                          </p:stCondLst>
+                                        </p:cTn>
+                                        <p:tgtEl>
+                                          <p:spTgt spid="3">
+                                            <p:txEl>
+                                              <p:pRg st="1" end="1"/>
+                                            </p:txEl>
+                                          </p:spTgt>
+                                        </p:tgtEl>
+                                        <p:attrNameLst>
+                                          <p:attrName>style.visibility</p:attrName>
+                                        </p:attrNameLst>
+                                      </p:cBhvr>
+                                      <p:to>
+                                        <p:strVal val="visible"/>
+                                      </p:to>
+                                    </p:set>
+                                    <p:animEffect transition="in" filter="fade">
+                                      <p:cBhvr>
+                                        <p:cTn id="12" dur="500"/>
+                                        <p:tgtEl>
+                                          <p:spTgt spid="3">
+                                            <p:txEl>
+                                              <p:pRg st="1" end="1"/>
+                                            </p:txEl>
+                                          </p:spTgt>
+                                        </p:tgtEl>
+                                      </p:cBhvr>
+                                    </p:animEffect>
+                                  </p:childTnLst>
+                                </p:cTn>
+                              </p:par>
+                            </p:childTnLst>
+                          </p:cTn>
+                        </p:par>
+                      </p:childTnLst>
+                    </p:cTn>
+                  </p:par>
+                  <p:par>
+                    <p:cTn id="13" fill="hold">
+                      <p:stCondLst>
+                        <p:cond delay="indefinite"/>
+                      </p:stCondLst>
+                      <p:childTnLst>
+                        <p:par>
+                          <p:cTn id="14" fill="hold">
+                            <p:stCondLst>
+                              <p:cond delay="0"/>
+                            </p:stCondLst>
+                            <p:childTnLst>
+                              <p:par>
+                                <p:cTn id="15" presetID="10" presetClass="entr" presetSubtype="0" fill="hold" grpId="0" nodeType="clickEffect">
+                                  <p:stCondLst>
+                                    <p:cond delay="0"/>
+                                  </p:stCondLst>
+                                  <p:childTnLst>
+                                    <p:set>
+                                      <p:cBhvr>
+                                        <p:cTn id="16" dur="1" fill="hold">
+                                          <p:stCondLst>
+                                            <p:cond delay="0"/>
+                                          </p:stCondLst>
+                                        </p:cTn>
+                                        <p:tgtEl>
+                                          <p:spTgt spid="3">
+                                            <p:txEl>
+                                              <p:pRg st="2" end="2"/>
+                                            </p:txEl>
+                                          </p:spTgt>
+                                        </p:tgtEl>
+                                        <p:attrNameLst>
+                                          <p:attrName>style.visibility</p:attrName>
+                                        </p:attrNameLst>
+                                      </p:cBhvr>
+                                      <p:to>
+                                        <p:strVal val="visible"/>
+                                      </p:to>
+                                    </p:set>
+                                    <p:animEffect transition="in" filter="fade">
+                                      <p:cBhvr>
+                                        <p:cTn id="17" dur="500"/>
+                                        <p:tgtEl>
+                                          <p:spTgt spid="3">
+                                            <p:txEl>
+                                              <p:pRg st="2" end="2"/>
+                                            </p:txEl>
+                                          </p:spTgt>
+                                        </p:tgtEl>
+                                      </p:cBhvr>
+                                    </p:animEffect>
+                                  </p:childTnLst>
+                                </p:cTn>
+                              </p:par>
+                            </p:childTnLst>
+                          </p:cTn>
+                        </p:par>
+                      </p:childTnLst>
+                    </p:cTn>
+                  </p:par>
+                  <p:par>
+                    <p:cTn id="18" fill="hold">
+                      <p:stCondLst>
+                        <p:cond delay="indefinite"/>
+                      </p:stCondLst>
+                      <p:childTnLst>
+                        <p:par>
+                          <p:cTn id="19" fill="hold">
+                            <p:stCondLst>
+                              <p:cond delay="0"/>
+                            </p:stCondLst>
+                            <p:childTnLst>
+                              <p:par>
+                                <p:cTn id="20" presetID="10" presetClass="entr" presetSubtype="0" fill="hold" grpId="0" nodeType="clickEffect">
+                                  <p:stCondLst>
+                                    <p:cond delay="0"/>
+                                  </p:stCondLst>
+                                  <p:childTnLst>
+                                    <p:set>
+                                      <p:cBhvr>
+                                        <p:cTn id="21" dur="1" fill="hold">
+                                          <p:stCondLst>
+                                            <p:cond delay="0"/>
+                                          </p:stCondLst>
+                                        </p:cTn>
+                                        <p:tgtEl>
+                                          <p:spTgt spid="3">
+                                            <p:txEl>
+                                              <p:pRg st="3" end="3"/>
+                                            </p:txEl>
+                                          </p:spTgt>
+                                        </p:tgtEl>
+                                        <p:attrNameLst>
+                                          <p:attrName>style.visibility</p:attrName>
+                                        </p:attrNameLst>
+                                      </p:cBhvr>
+                                      <p:to>
+                                        <p:strVal val="visible"/>
+                                      </p:to>
+                                    </p:set>
+                                    <p:animEffect transition="in" filter="fade">
+                                      <p:cBhvr>
+                                        <p:cTn id="22" dur="500"/>
+                                        <p:tgtEl>
+                                          <p:spTgt spid="3">
+                                            <p:txEl>
+                                              <p:pRg st="3" end="3"/>
+                                            </p:txEl>
+                                          </p:spTgt>
+                                        </p:tgtEl>
+                                      </p:cBhvr>
+                                    </p:animEffect>
+                                  </p:childTnLst>
+                                </p:cTn>
+                              </p:par>
+                            </p:childTnLst>
+                          </p:cTn>
+                        </p:par>
+                      </p:childTnLst>
+                    </p:cTn>
+                  </p:par>
+                  <p:par>
+                    <p:cTn id="23" fill="hold">
+                      <p:stCondLst>
+                        <p:cond delay="indefinite"/>
+                      </p:stCondLst>
+                      <p:childTnLst>
+                        <p:par>
+                          <p:cTn id="24" fill="hold">
+                            <p:stCondLst>
+                              <p:cond delay="0"/>
+                            </p:stCondLst>
+                            <p:childTnLst>
+                              <p:par>
+                                <p:cTn id="25" presetID="10" presetClass="entr" presetSubtype="0" fill="hold" grpId="0" nodeType="clickEffect">
+                                  <p:stCondLst>
+                                    <p:cond delay="0"/>
+                                  </p:stCondLst>
+                                  <p:childTnLst>
+                                    <p:set>
+                                      <p:cBhvr>
+                                        <p:cTn id="26" dur="1" fill="hold">
+                                          <p:stCondLst>
+                                            <p:cond delay="0"/>
+                                          </p:stCondLst>
+                                        </p:cTn>
+                                        <p:tgtEl>
+                                          <p:spTgt spid="3">
+                                            <p:txEl>
+                                              <p:pRg st="4" end="4"/>
+                                            </p:txEl>
+                                          </p:spTgt>
+                                        </p:tgtEl>
+                                        <p:attrNameLst>
+                                          <p:attrName>style.visibility</p:attrName>
+                                        </p:attrNameLst>
+                                      </p:cBhvr>
+                                      <p:to>
+                                        <p:strVal val="visible"/>
+                                      </p:to>
+                                    </p:set>
+                                    <p:animEffect transition="in" filter="fade">
+                                      <p:cBhvr>
+                                        <p:cTn id="27" dur="500"/>
+                                        <p:tgtEl>
+                                          <p:spTgt spid="3">
+                                            <p:txEl>
+                                              <p:pRg st="4" end="4"/>
+                                            </p:txEl>
+                                          </p:spTgt>
+                                        </p:tgtEl>
+                                      </p:cBhvr>
+                                    </p:animEffect>
+                                  </p:childTnLst>
+                                </p:cTn>
+                              </p:par>
+                            </p:childTnLst>
+                          </p:cTn>
+                        </p:par>
+                      </p:childTnLst>
+                    </p:cTn>
+                  </p:par>
+                </p:childTnLst>
+              </p:cTn>
+              <p:prevCondLst>
+                <p:cond evt="onPrev" delay="0">
+                  <p:tgtEl>
+                    <p:sldTgt/>
+                  </p:tgtEl>
+                </p:cond>
+              </p:prevCondLst>
+              <p:nextCondLst>
+                <p:cond evt="onNext" delay="0">
+                  <p:tgtEl>
+                    <p:sldTgt/>
+                  </p:tgtEl>
+                </p:cond>
+              </p:nextCondLst>
+            </p:seq>
+          </p:childTnLst>
+        </p:cTn>
       </p:par>
     </p:tnLst>
+    <p:bldLst>
+      <p:bldP spid="3" grpId="0" build="p"/>
+    </p:bldLst>
   </p:timing>
 </p:sld>
 </file>
@@ -4528,13 +5191,6 @@
   <p:clrMapOvr>
     <a:masterClrMapping/>
   </p:clrMapOvr>
-  <p:timing>
-    <p:tnLst>
-      <p:par>
-        <p:cTn id="1" dur="indefinite" restart="never" nodeType="tmRoot"/>
-      </p:par>
-    </p:tnLst>
-  </p:timing>
 </p:sld>
 </file>
 
@@ -5958,7 +6614,600 @@
   <p:timing>
     <p:tnLst>
       <p:par>
-        <p:cTn id="1" dur="indefinite" restart="never" nodeType="tmRoot"/>
+        <p:cTn id="1" dur="indefinite" restart="never" nodeType="tmRoot">
+          <p:childTnLst>
+            <p:seq concurrent="1" nextAc="seek">
+              <p:cTn id="2" dur="indefinite" nodeType="mainSeq">
+                <p:childTnLst>
+                  <p:par>
+                    <p:cTn id="3" fill="hold">
+                      <p:stCondLst>
+                        <p:cond delay="indefinite"/>
+                      </p:stCondLst>
+                      <p:childTnLst>
+                        <p:par>
+                          <p:cTn id="4" fill="hold">
+                            <p:stCondLst>
+                              <p:cond delay="0"/>
+                            </p:stCondLst>
+                            <p:childTnLst>
+                              <p:par>
+                                <p:cTn id="5" presetID="10" presetClass="entr" presetSubtype="0" fill="hold" nodeType="clickEffect">
+                                  <p:stCondLst>
+                                    <p:cond delay="0"/>
+                                  </p:stCondLst>
+                                  <p:childTnLst>
+                                    <p:set>
+                                      <p:cBhvr>
+                                        <p:cTn id="6" dur="1" fill="hold">
+                                          <p:stCondLst>
+                                            <p:cond delay="0"/>
+                                          </p:stCondLst>
+                                        </p:cTn>
+                                        <p:tgtEl>
+                                          <p:spTgt spid="6">
+                                            <p:txEl>
+                                              <p:pRg st="3" end="3"/>
+                                            </p:txEl>
+                                          </p:spTgt>
+                                        </p:tgtEl>
+                                        <p:attrNameLst>
+                                          <p:attrName>style.visibility</p:attrName>
+                                        </p:attrNameLst>
+                                      </p:cBhvr>
+                                      <p:to>
+                                        <p:strVal val="visible"/>
+                                      </p:to>
+                                    </p:set>
+                                    <p:animEffect transition="in" filter="fade">
+                                      <p:cBhvr>
+                                        <p:cTn id="7" dur="500"/>
+                                        <p:tgtEl>
+                                          <p:spTgt spid="6">
+                                            <p:txEl>
+                                              <p:pRg st="3" end="3"/>
+                                            </p:txEl>
+                                          </p:spTgt>
+                                        </p:tgtEl>
+                                      </p:cBhvr>
+                                    </p:animEffect>
+                                  </p:childTnLst>
+                                </p:cTn>
+                              </p:par>
+                              <p:par>
+                                <p:cTn id="8" presetID="10" presetClass="entr" presetSubtype="0" fill="hold" nodeType="withEffect">
+                                  <p:stCondLst>
+                                    <p:cond delay="0"/>
+                                  </p:stCondLst>
+                                  <p:childTnLst>
+                                    <p:set>
+                                      <p:cBhvr>
+                                        <p:cTn id="9" dur="1" fill="hold">
+                                          <p:stCondLst>
+                                            <p:cond delay="0"/>
+                                          </p:stCondLst>
+                                        </p:cTn>
+                                        <p:tgtEl>
+                                          <p:spTgt spid="6">
+                                            <p:txEl>
+                                              <p:pRg st="4" end="4"/>
+                                            </p:txEl>
+                                          </p:spTgt>
+                                        </p:tgtEl>
+                                        <p:attrNameLst>
+                                          <p:attrName>style.visibility</p:attrName>
+                                        </p:attrNameLst>
+                                      </p:cBhvr>
+                                      <p:to>
+                                        <p:strVal val="visible"/>
+                                      </p:to>
+                                    </p:set>
+                                    <p:animEffect transition="in" filter="fade">
+                                      <p:cBhvr>
+                                        <p:cTn id="10" dur="500"/>
+                                        <p:tgtEl>
+                                          <p:spTgt spid="6">
+                                            <p:txEl>
+                                              <p:pRg st="4" end="4"/>
+                                            </p:txEl>
+                                          </p:spTgt>
+                                        </p:tgtEl>
+                                      </p:cBhvr>
+                                    </p:animEffect>
+                                  </p:childTnLst>
+                                </p:cTn>
+                              </p:par>
+                              <p:par>
+                                <p:cTn id="11" presetID="10" presetClass="entr" presetSubtype="0" fill="hold" nodeType="withEffect">
+                                  <p:stCondLst>
+                                    <p:cond delay="0"/>
+                                  </p:stCondLst>
+                                  <p:childTnLst>
+                                    <p:set>
+                                      <p:cBhvr>
+                                        <p:cTn id="12" dur="1" fill="hold">
+                                          <p:stCondLst>
+                                            <p:cond delay="0"/>
+                                          </p:stCondLst>
+                                        </p:cTn>
+                                        <p:tgtEl>
+                                          <p:spTgt spid="6">
+                                            <p:txEl>
+                                              <p:pRg st="5" end="5"/>
+                                            </p:txEl>
+                                          </p:spTgt>
+                                        </p:tgtEl>
+                                        <p:attrNameLst>
+                                          <p:attrName>style.visibility</p:attrName>
+                                        </p:attrNameLst>
+                                      </p:cBhvr>
+                                      <p:to>
+                                        <p:strVal val="visible"/>
+                                      </p:to>
+                                    </p:set>
+                                    <p:animEffect transition="in" filter="fade">
+                                      <p:cBhvr>
+                                        <p:cTn id="13" dur="500"/>
+                                        <p:tgtEl>
+                                          <p:spTgt spid="6">
+                                            <p:txEl>
+                                              <p:pRg st="5" end="5"/>
+                                            </p:txEl>
+                                          </p:spTgt>
+                                        </p:tgtEl>
+                                      </p:cBhvr>
+                                    </p:animEffect>
+                                  </p:childTnLst>
+                                </p:cTn>
+                              </p:par>
+                              <p:par>
+                                <p:cTn id="14" presetID="10" presetClass="entr" presetSubtype="0" fill="hold" nodeType="withEffect">
+                                  <p:stCondLst>
+                                    <p:cond delay="0"/>
+                                  </p:stCondLst>
+                                  <p:childTnLst>
+                                    <p:set>
+                                      <p:cBhvr>
+                                        <p:cTn id="15" dur="1" fill="hold">
+                                          <p:stCondLst>
+                                            <p:cond delay="0"/>
+                                          </p:stCondLst>
+                                        </p:cTn>
+                                        <p:tgtEl>
+                                          <p:spTgt spid="6">
+                                            <p:txEl>
+                                              <p:pRg st="6" end="6"/>
+                                            </p:txEl>
+                                          </p:spTgt>
+                                        </p:tgtEl>
+                                        <p:attrNameLst>
+                                          <p:attrName>style.visibility</p:attrName>
+                                        </p:attrNameLst>
+                                      </p:cBhvr>
+                                      <p:to>
+                                        <p:strVal val="visible"/>
+                                      </p:to>
+                                    </p:set>
+                                    <p:animEffect transition="in" filter="fade">
+                                      <p:cBhvr>
+                                        <p:cTn id="16" dur="500"/>
+                                        <p:tgtEl>
+                                          <p:spTgt spid="6">
+                                            <p:txEl>
+                                              <p:pRg st="6" end="6"/>
+                                            </p:txEl>
+                                          </p:spTgt>
+                                        </p:tgtEl>
+                                      </p:cBhvr>
+                                    </p:animEffect>
+                                  </p:childTnLst>
+                                </p:cTn>
+                              </p:par>
+                              <p:par>
+                                <p:cTn id="17" presetID="10" presetClass="entr" presetSubtype="0" fill="hold" nodeType="withEffect">
+                                  <p:stCondLst>
+                                    <p:cond delay="0"/>
+                                  </p:stCondLst>
+                                  <p:childTnLst>
+                                    <p:set>
+                                      <p:cBhvr>
+                                        <p:cTn id="18" dur="1" fill="hold">
+                                          <p:stCondLst>
+                                            <p:cond delay="0"/>
+                                          </p:stCondLst>
+                                        </p:cTn>
+                                        <p:tgtEl>
+                                          <p:spTgt spid="6">
+                                            <p:txEl>
+                                              <p:pRg st="7" end="7"/>
+                                            </p:txEl>
+                                          </p:spTgt>
+                                        </p:tgtEl>
+                                        <p:attrNameLst>
+                                          <p:attrName>style.visibility</p:attrName>
+                                        </p:attrNameLst>
+                                      </p:cBhvr>
+                                      <p:to>
+                                        <p:strVal val="visible"/>
+                                      </p:to>
+                                    </p:set>
+                                    <p:animEffect transition="in" filter="fade">
+                                      <p:cBhvr>
+                                        <p:cTn id="19" dur="500"/>
+                                        <p:tgtEl>
+                                          <p:spTgt spid="6">
+                                            <p:txEl>
+                                              <p:pRg st="7" end="7"/>
+                                            </p:txEl>
+                                          </p:spTgt>
+                                        </p:tgtEl>
+                                      </p:cBhvr>
+                                    </p:animEffect>
+                                  </p:childTnLst>
+                                </p:cTn>
+                              </p:par>
+                            </p:childTnLst>
+                          </p:cTn>
+                        </p:par>
+                      </p:childTnLst>
+                    </p:cTn>
+                  </p:par>
+                  <p:par>
+                    <p:cTn id="20" fill="hold">
+                      <p:stCondLst>
+                        <p:cond delay="indefinite"/>
+                      </p:stCondLst>
+                      <p:childTnLst>
+                        <p:par>
+                          <p:cTn id="21" fill="hold">
+                            <p:stCondLst>
+                              <p:cond delay="0"/>
+                            </p:stCondLst>
+                            <p:childTnLst>
+                              <p:par>
+                                <p:cTn id="22" presetID="10" presetClass="entr" presetSubtype="0" fill="hold" nodeType="clickEffect">
+                                  <p:stCondLst>
+                                    <p:cond delay="0"/>
+                                  </p:stCondLst>
+                                  <p:childTnLst>
+                                    <p:set>
+                                      <p:cBhvr>
+                                        <p:cTn id="23" dur="1" fill="hold">
+                                          <p:stCondLst>
+                                            <p:cond delay="0"/>
+                                          </p:stCondLst>
+                                        </p:cTn>
+                                        <p:tgtEl>
+                                          <p:spTgt spid="6">
+                                            <p:txEl>
+                                              <p:pRg st="8" end="8"/>
+                                            </p:txEl>
+                                          </p:spTgt>
+                                        </p:tgtEl>
+                                        <p:attrNameLst>
+                                          <p:attrName>style.visibility</p:attrName>
+                                        </p:attrNameLst>
+                                      </p:cBhvr>
+                                      <p:to>
+                                        <p:strVal val="visible"/>
+                                      </p:to>
+                                    </p:set>
+                                    <p:animEffect transition="in" filter="fade">
+                                      <p:cBhvr>
+                                        <p:cTn id="24" dur="500"/>
+                                        <p:tgtEl>
+                                          <p:spTgt spid="6">
+                                            <p:txEl>
+                                              <p:pRg st="8" end="8"/>
+                                            </p:txEl>
+                                          </p:spTgt>
+                                        </p:tgtEl>
+                                      </p:cBhvr>
+                                    </p:animEffect>
+                                  </p:childTnLst>
+                                </p:cTn>
+                              </p:par>
+                              <p:par>
+                                <p:cTn id="25" presetID="10" presetClass="entr" presetSubtype="0" fill="hold" nodeType="withEffect">
+                                  <p:stCondLst>
+                                    <p:cond delay="0"/>
+                                  </p:stCondLst>
+                                  <p:childTnLst>
+                                    <p:set>
+                                      <p:cBhvr>
+                                        <p:cTn id="26" dur="1" fill="hold">
+                                          <p:stCondLst>
+                                            <p:cond delay="0"/>
+                                          </p:stCondLst>
+                                        </p:cTn>
+                                        <p:tgtEl>
+                                          <p:spTgt spid="6">
+                                            <p:txEl>
+                                              <p:pRg st="9" end="9"/>
+                                            </p:txEl>
+                                          </p:spTgt>
+                                        </p:tgtEl>
+                                        <p:attrNameLst>
+                                          <p:attrName>style.visibility</p:attrName>
+                                        </p:attrNameLst>
+                                      </p:cBhvr>
+                                      <p:to>
+                                        <p:strVal val="visible"/>
+                                      </p:to>
+                                    </p:set>
+                                    <p:animEffect transition="in" filter="fade">
+                                      <p:cBhvr>
+                                        <p:cTn id="27" dur="500"/>
+                                        <p:tgtEl>
+                                          <p:spTgt spid="6">
+                                            <p:txEl>
+                                              <p:pRg st="9" end="9"/>
+                                            </p:txEl>
+                                          </p:spTgt>
+                                        </p:tgtEl>
+                                      </p:cBhvr>
+                                    </p:animEffect>
+                                  </p:childTnLst>
+                                </p:cTn>
+                              </p:par>
+                              <p:par>
+                                <p:cTn id="28" presetID="10" presetClass="entr" presetSubtype="0" fill="hold" nodeType="withEffect">
+                                  <p:stCondLst>
+                                    <p:cond delay="0"/>
+                                  </p:stCondLst>
+                                  <p:childTnLst>
+                                    <p:set>
+                                      <p:cBhvr>
+                                        <p:cTn id="29" dur="1" fill="hold">
+                                          <p:stCondLst>
+                                            <p:cond delay="0"/>
+                                          </p:stCondLst>
+                                        </p:cTn>
+                                        <p:tgtEl>
+                                          <p:spTgt spid="6">
+                                            <p:txEl>
+                                              <p:pRg st="10" end="10"/>
+                                            </p:txEl>
+                                          </p:spTgt>
+                                        </p:tgtEl>
+                                        <p:attrNameLst>
+                                          <p:attrName>style.visibility</p:attrName>
+                                        </p:attrNameLst>
+                                      </p:cBhvr>
+                                      <p:to>
+                                        <p:strVal val="visible"/>
+                                      </p:to>
+                                    </p:set>
+                                    <p:animEffect transition="in" filter="fade">
+                                      <p:cBhvr>
+                                        <p:cTn id="30" dur="500"/>
+                                        <p:tgtEl>
+                                          <p:spTgt spid="6">
+                                            <p:txEl>
+                                              <p:pRg st="10" end="10"/>
+                                            </p:txEl>
+                                          </p:spTgt>
+                                        </p:tgtEl>
+                                      </p:cBhvr>
+                                    </p:animEffect>
+                                  </p:childTnLst>
+                                </p:cTn>
+                              </p:par>
+                              <p:par>
+                                <p:cTn id="31" presetID="10" presetClass="entr" presetSubtype="0" fill="hold" nodeType="withEffect">
+                                  <p:stCondLst>
+                                    <p:cond delay="0"/>
+                                  </p:stCondLst>
+                                  <p:childTnLst>
+                                    <p:set>
+                                      <p:cBhvr>
+                                        <p:cTn id="32" dur="1" fill="hold">
+                                          <p:stCondLst>
+                                            <p:cond delay="0"/>
+                                          </p:stCondLst>
+                                        </p:cTn>
+                                        <p:tgtEl>
+                                          <p:spTgt spid="6">
+                                            <p:txEl>
+                                              <p:pRg st="11" end="11"/>
+                                            </p:txEl>
+                                          </p:spTgt>
+                                        </p:tgtEl>
+                                        <p:attrNameLst>
+                                          <p:attrName>style.visibility</p:attrName>
+                                        </p:attrNameLst>
+                                      </p:cBhvr>
+                                      <p:to>
+                                        <p:strVal val="visible"/>
+                                      </p:to>
+                                    </p:set>
+                                    <p:animEffect transition="in" filter="fade">
+                                      <p:cBhvr>
+                                        <p:cTn id="33" dur="500"/>
+                                        <p:tgtEl>
+                                          <p:spTgt spid="6">
+                                            <p:txEl>
+                                              <p:pRg st="11" end="11"/>
+                                            </p:txEl>
+                                          </p:spTgt>
+                                        </p:tgtEl>
+                                      </p:cBhvr>
+                                    </p:animEffect>
+                                  </p:childTnLst>
+                                </p:cTn>
+                              </p:par>
+                            </p:childTnLst>
+                          </p:cTn>
+                        </p:par>
+                      </p:childTnLst>
+                    </p:cTn>
+                  </p:par>
+                  <p:par>
+                    <p:cTn id="34" fill="hold">
+                      <p:stCondLst>
+                        <p:cond delay="indefinite"/>
+                      </p:stCondLst>
+                      <p:childTnLst>
+                        <p:par>
+                          <p:cTn id="35" fill="hold">
+                            <p:stCondLst>
+                              <p:cond delay="0"/>
+                            </p:stCondLst>
+                            <p:childTnLst>
+                              <p:par>
+                                <p:cTn id="36" presetID="10" presetClass="entr" presetSubtype="0" fill="hold" nodeType="clickEffect">
+                                  <p:stCondLst>
+                                    <p:cond delay="0"/>
+                                  </p:stCondLst>
+                                  <p:childTnLst>
+                                    <p:set>
+                                      <p:cBhvr>
+                                        <p:cTn id="37" dur="1" fill="hold">
+                                          <p:stCondLst>
+                                            <p:cond delay="0"/>
+                                          </p:stCondLst>
+                                        </p:cTn>
+                                        <p:tgtEl>
+                                          <p:spTgt spid="6">
+                                            <p:txEl>
+                                              <p:pRg st="23" end="23"/>
+                                            </p:txEl>
+                                          </p:spTgt>
+                                        </p:tgtEl>
+                                        <p:attrNameLst>
+                                          <p:attrName>style.visibility</p:attrName>
+                                        </p:attrNameLst>
+                                      </p:cBhvr>
+                                      <p:to>
+                                        <p:strVal val="visible"/>
+                                      </p:to>
+                                    </p:set>
+                                    <p:animEffect transition="in" filter="fade">
+                                      <p:cBhvr>
+                                        <p:cTn id="38" dur="500"/>
+                                        <p:tgtEl>
+                                          <p:spTgt spid="6">
+                                            <p:txEl>
+                                              <p:pRg st="23" end="23"/>
+                                            </p:txEl>
+                                          </p:spTgt>
+                                        </p:tgtEl>
+                                      </p:cBhvr>
+                                    </p:animEffect>
+                                  </p:childTnLst>
+                                </p:cTn>
+                              </p:par>
+                              <p:par>
+                                <p:cTn id="39" presetID="10" presetClass="entr" presetSubtype="0" fill="hold" nodeType="withEffect">
+                                  <p:stCondLst>
+                                    <p:cond delay="0"/>
+                                  </p:stCondLst>
+                                  <p:childTnLst>
+                                    <p:set>
+                                      <p:cBhvr>
+                                        <p:cTn id="40" dur="1" fill="hold">
+                                          <p:stCondLst>
+                                            <p:cond delay="0"/>
+                                          </p:stCondLst>
+                                        </p:cTn>
+                                        <p:tgtEl>
+                                          <p:spTgt spid="6">
+                                            <p:txEl>
+                                              <p:pRg st="24" end="24"/>
+                                            </p:txEl>
+                                          </p:spTgt>
+                                        </p:tgtEl>
+                                        <p:attrNameLst>
+                                          <p:attrName>style.visibility</p:attrName>
+                                        </p:attrNameLst>
+                                      </p:cBhvr>
+                                      <p:to>
+                                        <p:strVal val="visible"/>
+                                      </p:to>
+                                    </p:set>
+                                    <p:animEffect transition="in" filter="fade">
+                                      <p:cBhvr>
+                                        <p:cTn id="41" dur="500"/>
+                                        <p:tgtEl>
+                                          <p:spTgt spid="6">
+                                            <p:txEl>
+                                              <p:pRg st="24" end="24"/>
+                                            </p:txEl>
+                                          </p:spTgt>
+                                        </p:tgtEl>
+                                      </p:cBhvr>
+                                    </p:animEffect>
+                                  </p:childTnLst>
+                                </p:cTn>
+                              </p:par>
+                              <p:par>
+                                <p:cTn id="42" presetID="10" presetClass="entr" presetSubtype="0" fill="hold" nodeType="withEffect">
+                                  <p:stCondLst>
+                                    <p:cond delay="0"/>
+                                  </p:stCondLst>
+                                  <p:childTnLst>
+                                    <p:set>
+                                      <p:cBhvr>
+                                        <p:cTn id="43" dur="1" fill="hold">
+                                          <p:stCondLst>
+                                            <p:cond delay="0"/>
+                                          </p:stCondLst>
+                                        </p:cTn>
+                                        <p:tgtEl>
+                                          <p:spTgt spid="6">
+                                            <p:txEl>
+                                              <p:pRg st="25" end="25"/>
+                                            </p:txEl>
+                                          </p:spTgt>
+                                        </p:tgtEl>
+                                        <p:attrNameLst>
+                                          <p:attrName>style.visibility</p:attrName>
+                                        </p:attrNameLst>
+                                      </p:cBhvr>
+                                      <p:to>
+                                        <p:strVal val="visible"/>
+                                      </p:to>
+                                    </p:set>
+                                    <p:animEffect transition="in" filter="fade">
+                                      <p:cBhvr>
+                                        <p:cTn id="44" dur="500"/>
+                                        <p:tgtEl>
+                                          <p:spTgt spid="6">
+                                            <p:txEl>
+                                              <p:pRg st="25" end="25"/>
+                                            </p:txEl>
+                                          </p:spTgt>
+                                        </p:tgtEl>
+                                      </p:cBhvr>
+                                    </p:animEffect>
+                                  </p:childTnLst>
+                                </p:cTn>
+                              </p:par>
+                            </p:childTnLst>
+                          </p:cTn>
+                        </p:par>
+                      </p:childTnLst>
+                    </p:cTn>
+                  </p:par>
+                </p:childTnLst>
+              </p:cTn>
+              <p:prevCondLst>
+                <p:cond evt="onPrev" delay="0">
+                  <p:tgtEl>
+                    <p:sldTgt/>
+                  </p:tgtEl>
+                </p:cond>
+              </p:prevCondLst>
+              <p:nextCondLst>
+                <p:cond evt="onNext" delay="0">
+                  <p:tgtEl>
+                    <p:sldTgt/>
+                  </p:tgtEl>
+                </p:cond>
+              </p:nextCondLst>
+            </p:seq>
+          </p:childTnLst>
+        </p:cTn>
       </p:par>
     </p:tnLst>
   </p:timing>
@@ -6712,7 +7961,7 @@
           <a:p>
             <a:pPr defTabSz="406400"/>
             <a:r>
-              <a:rPr lang="en-US" sz="1600" dirty="0" smtClean="0">
+              <a:rPr lang="en-US" sz="1600" dirty="0">
                 <a:solidFill>
                   <a:srgbClr val="000000"/>
                 </a:solidFill>
@@ -7163,13 +8412,6 @@
   <p:clrMapOvr>
     <a:masterClrMapping/>
   </p:clrMapOvr>
-  <p:timing>
-    <p:tnLst>
-      <p:par>
-        <p:cTn id="1" dur="indefinite" restart="never" nodeType="tmRoot"/>
-      </p:par>
-    </p:tnLst>
-  </p:timing>
 </p:sld>
 </file>
 
@@ -8954,7 +10196,1055 @@
   <p:timing>
     <p:tnLst>
       <p:par>
-        <p:cTn id="1" dur="indefinite" restart="never" nodeType="tmRoot"/>
+        <p:cTn id="1" dur="indefinite" restart="never" nodeType="tmRoot">
+          <p:childTnLst>
+            <p:seq concurrent="1" nextAc="seek">
+              <p:cTn id="2" dur="indefinite" nodeType="mainSeq">
+                <p:childTnLst>
+                  <p:par>
+                    <p:cTn id="3" fill="hold">
+                      <p:stCondLst>
+                        <p:cond delay="indefinite"/>
+                      </p:stCondLst>
+                      <p:childTnLst>
+                        <p:par>
+                          <p:cTn id="4" fill="hold">
+                            <p:stCondLst>
+                              <p:cond delay="0"/>
+                            </p:stCondLst>
+                            <p:childTnLst>
+                              <p:par>
+                                <p:cTn id="5" presetID="10" presetClass="entr" presetSubtype="0" fill="hold" nodeType="clickEffect">
+                                  <p:stCondLst>
+                                    <p:cond delay="0"/>
+                                  </p:stCondLst>
+                                  <p:childTnLst>
+                                    <p:set>
+                                      <p:cBhvr>
+                                        <p:cTn id="6" dur="1" fill="hold">
+                                          <p:stCondLst>
+                                            <p:cond delay="0"/>
+                                          </p:stCondLst>
+                                        </p:cTn>
+                                        <p:tgtEl>
+                                          <p:spTgt spid="3">
+                                            <p:txEl>
+                                              <p:pRg st="4" end="4"/>
+                                            </p:txEl>
+                                          </p:spTgt>
+                                        </p:tgtEl>
+                                        <p:attrNameLst>
+                                          <p:attrName>style.visibility</p:attrName>
+                                        </p:attrNameLst>
+                                      </p:cBhvr>
+                                      <p:to>
+                                        <p:strVal val="visible"/>
+                                      </p:to>
+                                    </p:set>
+                                    <p:animEffect transition="in" filter="fade">
+                                      <p:cBhvr>
+                                        <p:cTn id="7" dur="500"/>
+                                        <p:tgtEl>
+                                          <p:spTgt spid="3">
+                                            <p:txEl>
+                                              <p:pRg st="4" end="4"/>
+                                            </p:txEl>
+                                          </p:spTgt>
+                                        </p:tgtEl>
+                                      </p:cBhvr>
+                                    </p:animEffect>
+                                  </p:childTnLst>
+                                </p:cTn>
+                              </p:par>
+                              <p:par>
+                                <p:cTn id="8" presetID="10" presetClass="entr" presetSubtype="0" fill="hold" nodeType="withEffect">
+                                  <p:stCondLst>
+                                    <p:cond delay="0"/>
+                                  </p:stCondLst>
+                                  <p:childTnLst>
+                                    <p:set>
+                                      <p:cBhvr>
+                                        <p:cTn id="9" dur="1" fill="hold">
+                                          <p:stCondLst>
+                                            <p:cond delay="0"/>
+                                          </p:stCondLst>
+                                        </p:cTn>
+                                        <p:tgtEl>
+                                          <p:spTgt spid="3">
+                                            <p:txEl>
+                                              <p:pRg st="5" end="5"/>
+                                            </p:txEl>
+                                          </p:spTgt>
+                                        </p:tgtEl>
+                                        <p:attrNameLst>
+                                          <p:attrName>style.visibility</p:attrName>
+                                        </p:attrNameLst>
+                                      </p:cBhvr>
+                                      <p:to>
+                                        <p:strVal val="visible"/>
+                                      </p:to>
+                                    </p:set>
+                                    <p:animEffect transition="in" filter="fade">
+                                      <p:cBhvr>
+                                        <p:cTn id="10" dur="500"/>
+                                        <p:tgtEl>
+                                          <p:spTgt spid="3">
+                                            <p:txEl>
+                                              <p:pRg st="5" end="5"/>
+                                            </p:txEl>
+                                          </p:spTgt>
+                                        </p:tgtEl>
+                                      </p:cBhvr>
+                                    </p:animEffect>
+                                  </p:childTnLst>
+                                </p:cTn>
+                              </p:par>
+                              <p:par>
+                                <p:cTn id="11" presetID="10" presetClass="entr" presetSubtype="0" fill="hold" nodeType="withEffect">
+                                  <p:stCondLst>
+                                    <p:cond delay="0"/>
+                                  </p:stCondLst>
+                                  <p:childTnLst>
+                                    <p:set>
+                                      <p:cBhvr>
+                                        <p:cTn id="12" dur="1" fill="hold">
+                                          <p:stCondLst>
+                                            <p:cond delay="0"/>
+                                          </p:stCondLst>
+                                        </p:cTn>
+                                        <p:tgtEl>
+                                          <p:spTgt spid="3">
+                                            <p:txEl>
+                                              <p:pRg st="6" end="6"/>
+                                            </p:txEl>
+                                          </p:spTgt>
+                                        </p:tgtEl>
+                                        <p:attrNameLst>
+                                          <p:attrName>style.visibility</p:attrName>
+                                        </p:attrNameLst>
+                                      </p:cBhvr>
+                                      <p:to>
+                                        <p:strVal val="visible"/>
+                                      </p:to>
+                                    </p:set>
+                                    <p:animEffect transition="in" filter="fade">
+                                      <p:cBhvr>
+                                        <p:cTn id="13" dur="500"/>
+                                        <p:tgtEl>
+                                          <p:spTgt spid="3">
+                                            <p:txEl>
+                                              <p:pRg st="6" end="6"/>
+                                            </p:txEl>
+                                          </p:spTgt>
+                                        </p:tgtEl>
+                                      </p:cBhvr>
+                                    </p:animEffect>
+                                  </p:childTnLst>
+                                </p:cTn>
+                              </p:par>
+                              <p:par>
+                                <p:cTn id="14" presetID="10" presetClass="entr" presetSubtype="0" fill="hold" nodeType="withEffect">
+                                  <p:stCondLst>
+                                    <p:cond delay="0"/>
+                                  </p:stCondLst>
+                                  <p:childTnLst>
+                                    <p:set>
+                                      <p:cBhvr>
+                                        <p:cTn id="15" dur="1" fill="hold">
+                                          <p:stCondLst>
+                                            <p:cond delay="0"/>
+                                          </p:stCondLst>
+                                        </p:cTn>
+                                        <p:tgtEl>
+                                          <p:spTgt spid="3">
+                                            <p:txEl>
+                                              <p:pRg st="7" end="7"/>
+                                            </p:txEl>
+                                          </p:spTgt>
+                                        </p:tgtEl>
+                                        <p:attrNameLst>
+                                          <p:attrName>style.visibility</p:attrName>
+                                        </p:attrNameLst>
+                                      </p:cBhvr>
+                                      <p:to>
+                                        <p:strVal val="visible"/>
+                                      </p:to>
+                                    </p:set>
+                                    <p:animEffect transition="in" filter="fade">
+                                      <p:cBhvr>
+                                        <p:cTn id="16" dur="500"/>
+                                        <p:tgtEl>
+                                          <p:spTgt spid="3">
+                                            <p:txEl>
+                                              <p:pRg st="7" end="7"/>
+                                            </p:txEl>
+                                          </p:spTgt>
+                                        </p:tgtEl>
+                                      </p:cBhvr>
+                                    </p:animEffect>
+                                  </p:childTnLst>
+                                </p:cTn>
+                              </p:par>
+                              <p:par>
+                                <p:cTn id="17" presetID="10" presetClass="entr" presetSubtype="0" fill="hold" nodeType="withEffect">
+                                  <p:stCondLst>
+                                    <p:cond delay="0"/>
+                                  </p:stCondLst>
+                                  <p:childTnLst>
+                                    <p:set>
+                                      <p:cBhvr>
+                                        <p:cTn id="18" dur="1" fill="hold">
+                                          <p:stCondLst>
+                                            <p:cond delay="0"/>
+                                          </p:stCondLst>
+                                        </p:cTn>
+                                        <p:tgtEl>
+                                          <p:spTgt spid="3">
+                                            <p:txEl>
+                                              <p:pRg st="8" end="8"/>
+                                            </p:txEl>
+                                          </p:spTgt>
+                                        </p:tgtEl>
+                                        <p:attrNameLst>
+                                          <p:attrName>style.visibility</p:attrName>
+                                        </p:attrNameLst>
+                                      </p:cBhvr>
+                                      <p:to>
+                                        <p:strVal val="visible"/>
+                                      </p:to>
+                                    </p:set>
+                                    <p:animEffect transition="in" filter="fade">
+                                      <p:cBhvr>
+                                        <p:cTn id="19" dur="500"/>
+                                        <p:tgtEl>
+                                          <p:spTgt spid="3">
+                                            <p:txEl>
+                                              <p:pRg st="8" end="8"/>
+                                            </p:txEl>
+                                          </p:spTgt>
+                                        </p:tgtEl>
+                                      </p:cBhvr>
+                                    </p:animEffect>
+                                  </p:childTnLst>
+                                </p:cTn>
+                              </p:par>
+                              <p:par>
+                                <p:cTn id="20" presetID="10" presetClass="entr" presetSubtype="0" fill="hold" nodeType="withEffect">
+                                  <p:stCondLst>
+                                    <p:cond delay="0"/>
+                                  </p:stCondLst>
+                                  <p:childTnLst>
+                                    <p:set>
+                                      <p:cBhvr>
+                                        <p:cTn id="21" dur="1" fill="hold">
+                                          <p:stCondLst>
+                                            <p:cond delay="0"/>
+                                          </p:stCondLst>
+                                        </p:cTn>
+                                        <p:tgtEl>
+                                          <p:spTgt spid="3">
+                                            <p:txEl>
+                                              <p:pRg st="9" end="9"/>
+                                            </p:txEl>
+                                          </p:spTgt>
+                                        </p:tgtEl>
+                                        <p:attrNameLst>
+                                          <p:attrName>style.visibility</p:attrName>
+                                        </p:attrNameLst>
+                                      </p:cBhvr>
+                                      <p:to>
+                                        <p:strVal val="visible"/>
+                                      </p:to>
+                                    </p:set>
+                                    <p:animEffect transition="in" filter="fade">
+                                      <p:cBhvr>
+                                        <p:cTn id="22" dur="500"/>
+                                        <p:tgtEl>
+                                          <p:spTgt spid="3">
+                                            <p:txEl>
+                                              <p:pRg st="9" end="9"/>
+                                            </p:txEl>
+                                          </p:spTgt>
+                                        </p:tgtEl>
+                                      </p:cBhvr>
+                                    </p:animEffect>
+                                  </p:childTnLst>
+                                </p:cTn>
+                              </p:par>
+                              <p:par>
+                                <p:cTn id="23" presetID="10" presetClass="entr" presetSubtype="0" fill="hold" nodeType="withEffect">
+                                  <p:stCondLst>
+                                    <p:cond delay="0"/>
+                                  </p:stCondLst>
+                                  <p:childTnLst>
+                                    <p:set>
+                                      <p:cBhvr>
+                                        <p:cTn id="24" dur="1" fill="hold">
+                                          <p:stCondLst>
+                                            <p:cond delay="0"/>
+                                          </p:stCondLst>
+                                        </p:cTn>
+                                        <p:tgtEl>
+                                          <p:spTgt spid="3">
+                                            <p:txEl>
+                                              <p:pRg st="10" end="10"/>
+                                            </p:txEl>
+                                          </p:spTgt>
+                                        </p:tgtEl>
+                                        <p:attrNameLst>
+                                          <p:attrName>style.visibility</p:attrName>
+                                        </p:attrNameLst>
+                                      </p:cBhvr>
+                                      <p:to>
+                                        <p:strVal val="visible"/>
+                                      </p:to>
+                                    </p:set>
+                                    <p:animEffect transition="in" filter="fade">
+                                      <p:cBhvr>
+                                        <p:cTn id="25" dur="500"/>
+                                        <p:tgtEl>
+                                          <p:spTgt spid="3">
+                                            <p:txEl>
+                                              <p:pRg st="10" end="10"/>
+                                            </p:txEl>
+                                          </p:spTgt>
+                                        </p:tgtEl>
+                                      </p:cBhvr>
+                                    </p:animEffect>
+                                  </p:childTnLst>
+                                </p:cTn>
+                              </p:par>
+                              <p:par>
+                                <p:cTn id="26" presetID="10" presetClass="entr" presetSubtype="0" fill="hold" nodeType="withEffect">
+                                  <p:stCondLst>
+                                    <p:cond delay="0"/>
+                                  </p:stCondLst>
+                                  <p:childTnLst>
+                                    <p:set>
+                                      <p:cBhvr>
+                                        <p:cTn id="27" dur="1" fill="hold">
+                                          <p:stCondLst>
+                                            <p:cond delay="0"/>
+                                          </p:stCondLst>
+                                        </p:cTn>
+                                        <p:tgtEl>
+                                          <p:spTgt spid="3">
+                                            <p:txEl>
+                                              <p:pRg st="11" end="11"/>
+                                            </p:txEl>
+                                          </p:spTgt>
+                                        </p:tgtEl>
+                                        <p:attrNameLst>
+                                          <p:attrName>style.visibility</p:attrName>
+                                        </p:attrNameLst>
+                                      </p:cBhvr>
+                                      <p:to>
+                                        <p:strVal val="visible"/>
+                                      </p:to>
+                                    </p:set>
+                                    <p:animEffect transition="in" filter="fade">
+                                      <p:cBhvr>
+                                        <p:cTn id="28" dur="500"/>
+                                        <p:tgtEl>
+                                          <p:spTgt spid="3">
+                                            <p:txEl>
+                                              <p:pRg st="11" end="11"/>
+                                            </p:txEl>
+                                          </p:spTgt>
+                                        </p:tgtEl>
+                                      </p:cBhvr>
+                                    </p:animEffect>
+                                  </p:childTnLst>
+                                </p:cTn>
+                              </p:par>
+                              <p:par>
+                                <p:cTn id="29" presetID="10" presetClass="entr" presetSubtype="0" fill="hold" nodeType="withEffect">
+                                  <p:stCondLst>
+                                    <p:cond delay="0"/>
+                                  </p:stCondLst>
+                                  <p:childTnLst>
+                                    <p:set>
+                                      <p:cBhvr>
+                                        <p:cTn id="30" dur="1" fill="hold">
+                                          <p:stCondLst>
+                                            <p:cond delay="0"/>
+                                          </p:stCondLst>
+                                        </p:cTn>
+                                        <p:tgtEl>
+                                          <p:spTgt spid="3">
+                                            <p:txEl>
+                                              <p:pRg st="12" end="12"/>
+                                            </p:txEl>
+                                          </p:spTgt>
+                                        </p:tgtEl>
+                                        <p:attrNameLst>
+                                          <p:attrName>style.visibility</p:attrName>
+                                        </p:attrNameLst>
+                                      </p:cBhvr>
+                                      <p:to>
+                                        <p:strVal val="visible"/>
+                                      </p:to>
+                                    </p:set>
+                                    <p:animEffect transition="in" filter="fade">
+                                      <p:cBhvr>
+                                        <p:cTn id="31" dur="500"/>
+                                        <p:tgtEl>
+                                          <p:spTgt spid="3">
+                                            <p:txEl>
+                                              <p:pRg st="12" end="12"/>
+                                            </p:txEl>
+                                          </p:spTgt>
+                                        </p:tgtEl>
+                                      </p:cBhvr>
+                                    </p:animEffect>
+                                  </p:childTnLst>
+                                </p:cTn>
+                              </p:par>
+                              <p:par>
+                                <p:cTn id="32" presetID="10" presetClass="entr" presetSubtype="0" fill="hold" nodeType="withEffect">
+                                  <p:stCondLst>
+                                    <p:cond delay="0"/>
+                                  </p:stCondLst>
+                                  <p:childTnLst>
+                                    <p:set>
+                                      <p:cBhvr>
+                                        <p:cTn id="33" dur="1" fill="hold">
+                                          <p:stCondLst>
+                                            <p:cond delay="0"/>
+                                          </p:stCondLst>
+                                        </p:cTn>
+                                        <p:tgtEl>
+                                          <p:spTgt spid="3">
+                                            <p:txEl>
+                                              <p:pRg st="13" end="13"/>
+                                            </p:txEl>
+                                          </p:spTgt>
+                                        </p:tgtEl>
+                                        <p:attrNameLst>
+                                          <p:attrName>style.visibility</p:attrName>
+                                        </p:attrNameLst>
+                                      </p:cBhvr>
+                                      <p:to>
+                                        <p:strVal val="visible"/>
+                                      </p:to>
+                                    </p:set>
+                                    <p:animEffect transition="in" filter="fade">
+                                      <p:cBhvr>
+                                        <p:cTn id="34" dur="500"/>
+                                        <p:tgtEl>
+                                          <p:spTgt spid="3">
+                                            <p:txEl>
+                                              <p:pRg st="13" end="13"/>
+                                            </p:txEl>
+                                          </p:spTgt>
+                                        </p:tgtEl>
+                                      </p:cBhvr>
+                                    </p:animEffect>
+                                  </p:childTnLst>
+                                </p:cTn>
+                              </p:par>
+                              <p:par>
+                                <p:cTn id="35" presetID="10" presetClass="entr" presetSubtype="0" fill="hold" nodeType="withEffect">
+                                  <p:stCondLst>
+                                    <p:cond delay="0"/>
+                                  </p:stCondLst>
+                                  <p:childTnLst>
+                                    <p:set>
+                                      <p:cBhvr>
+                                        <p:cTn id="36" dur="1" fill="hold">
+                                          <p:stCondLst>
+                                            <p:cond delay="0"/>
+                                          </p:stCondLst>
+                                        </p:cTn>
+                                        <p:tgtEl>
+                                          <p:spTgt spid="3">
+                                            <p:txEl>
+                                              <p:pRg st="14" end="14"/>
+                                            </p:txEl>
+                                          </p:spTgt>
+                                        </p:tgtEl>
+                                        <p:attrNameLst>
+                                          <p:attrName>style.visibility</p:attrName>
+                                        </p:attrNameLst>
+                                      </p:cBhvr>
+                                      <p:to>
+                                        <p:strVal val="visible"/>
+                                      </p:to>
+                                    </p:set>
+                                    <p:animEffect transition="in" filter="fade">
+                                      <p:cBhvr>
+                                        <p:cTn id="37" dur="500"/>
+                                        <p:tgtEl>
+                                          <p:spTgt spid="3">
+                                            <p:txEl>
+                                              <p:pRg st="14" end="14"/>
+                                            </p:txEl>
+                                          </p:spTgt>
+                                        </p:tgtEl>
+                                      </p:cBhvr>
+                                    </p:animEffect>
+                                  </p:childTnLst>
+                                </p:cTn>
+                              </p:par>
+                              <p:par>
+                                <p:cTn id="38" presetID="10" presetClass="entr" presetSubtype="0" fill="hold" nodeType="withEffect">
+                                  <p:stCondLst>
+                                    <p:cond delay="0"/>
+                                  </p:stCondLst>
+                                  <p:childTnLst>
+                                    <p:set>
+                                      <p:cBhvr>
+                                        <p:cTn id="39" dur="1" fill="hold">
+                                          <p:stCondLst>
+                                            <p:cond delay="0"/>
+                                          </p:stCondLst>
+                                        </p:cTn>
+                                        <p:tgtEl>
+                                          <p:spTgt spid="3">
+                                            <p:txEl>
+                                              <p:pRg st="15" end="15"/>
+                                            </p:txEl>
+                                          </p:spTgt>
+                                        </p:tgtEl>
+                                        <p:attrNameLst>
+                                          <p:attrName>style.visibility</p:attrName>
+                                        </p:attrNameLst>
+                                      </p:cBhvr>
+                                      <p:to>
+                                        <p:strVal val="visible"/>
+                                      </p:to>
+                                    </p:set>
+                                    <p:animEffect transition="in" filter="fade">
+                                      <p:cBhvr>
+                                        <p:cTn id="40" dur="500"/>
+                                        <p:tgtEl>
+                                          <p:spTgt spid="3">
+                                            <p:txEl>
+                                              <p:pRg st="15" end="15"/>
+                                            </p:txEl>
+                                          </p:spTgt>
+                                        </p:tgtEl>
+                                      </p:cBhvr>
+                                    </p:animEffect>
+                                  </p:childTnLst>
+                                </p:cTn>
+                              </p:par>
+                            </p:childTnLst>
+                          </p:cTn>
+                        </p:par>
+                      </p:childTnLst>
+                    </p:cTn>
+                  </p:par>
+                  <p:par>
+                    <p:cTn id="41" fill="hold">
+                      <p:stCondLst>
+                        <p:cond delay="indefinite"/>
+                      </p:stCondLst>
+                      <p:childTnLst>
+                        <p:par>
+                          <p:cTn id="42" fill="hold">
+                            <p:stCondLst>
+                              <p:cond delay="0"/>
+                            </p:stCondLst>
+                            <p:childTnLst>
+                              <p:par>
+                                <p:cTn id="43" presetID="10" presetClass="entr" presetSubtype="0" fill="hold" nodeType="clickEffect">
+                                  <p:stCondLst>
+                                    <p:cond delay="0"/>
+                                  </p:stCondLst>
+                                  <p:childTnLst>
+                                    <p:set>
+                                      <p:cBhvr>
+                                        <p:cTn id="44" dur="1" fill="hold">
+                                          <p:stCondLst>
+                                            <p:cond delay="0"/>
+                                          </p:stCondLst>
+                                        </p:cTn>
+                                        <p:tgtEl>
+                                          <p:spTgt spid="3">
+                                            <p:txEl>
+                                              <p:pRg st="16" end="16"/>
+                                            </p:txEl>
+                                          </p:spTgt>
+                                        </p:tgtEl>
+                                        <p:attrNameLst>
+                                          <p:attrName>style.visibility</p:attrName>
+                                        </p:attrNameLst>
+                                      </p:cBhvr>
+                                      <p:to>
+                                        <p:strVal val="visible"/>
+                                      </p:to>
+                                    </p:set>
+                                    <p:animEffect transition="in" filter="fade">
+                                      <p:cBhvr>
+                                        <p:cTn id="45" dur="500"/>
+                                        <p:tgtEl>
+                                          <p:spTgt spid="3">
+                                            <p:txEl>
+                                              <p:pRg st="16" end="16"/>
+                                            </p:txEl>
+                                          </p:spTgt>
+                                        </p:tgtEl>
+                                      </p:cBhvr>
+                                    </p:animEffect>
+                                  </p:childTnLst>
+                                </p:cTn>
+                              </p:par>
+                              <p:par>
+                                <p:cTn id="46" presetID="10" presetClass="entr" presetSubtype="0" fill="hold" nodeType="withEffect">
+                                  <p:stCondLst>
+                                    <p:cond delay="0"/>
+                                  </p:stCondLst>
+                                  <p:childTnLst>
+                                    <p:set>
+                                      <p:cBhvr>
+                                        <p:cTn id="47" dur="1" fill="hold">
+                                          <p:stCondLst>
+                                            <p:cond delay="0"/>
+                                          </p:stCondLst>
+                                        </p:cTn>
+                                        <p:tgtEl>
+                                          <p:spTgt spid="3">
+                                            <p:txEl>
+                                              <p:pRg st="17" end="17"/>
+                                            </p:txEl>
+                                          </p:spTgt>
+                                        </p:tgtEl>
+                                        <p:attrNameLst>
+                                          <p:attrName>style.visibility</p:attrName>
+                                        </p:attrNameLst>
+                                      </p:cBhvr>
+                                      <p:to>
+                                        <p:strVal val="visible"/>
+                                      </p:to>
+                                    </p:set>
+                                    <p:animEffect transition="in" filter="fade">
+                                      <p:cBhvr>
+                                        <p:cTn id="48" dur="500"/>
+                                        <p:tgtEl>
+                                          <p:spTgt spid="3">
+                                            <p:txEl>
+                                              <p:pRg st="17" end="17"/>
+                                            </p:txEl>
+                                          </p:spTgt>
+                                        </p:tgtEl>
+                                      </p:cBhvr>
+                                    </p:animEffect>
+                                  </p:childTnLst>
+                                </p:cTn>
+                              </p:par>
+                              <p:par>
+                                <p:cTn id="49" presetID="10" presetClass="entr" presetSubtype="0" fill="hold" nodeType="withEffect">
+                                  <p:stCondLst>
+                                    <p:cond delay="0"/>
+                                  </p:stCondLst>
+                                  <p:childTnLst>
+                                    <p:set>
+                                      <p:cBhvr>
+                                        <p:cTn id="50" dur="1" fill="hold">
+                                          <p:stCondLst>
+                                            <p:cond delay="0"/>
+                                          </p:stCondLst>
+                                        </p:cTn>
+                                        <p:tgtEl>
+                                          <p:spTgt spid="3">
+                                            <p:txEl>
+                                              <p:pRg st="18" end="18"/>
+                                            </p:txEl>
+                                          </p:spTgt>
+                                        </p:tgtEl>
+                                        <p:attrNameLst>
+                                          <p:attrName>style.visibility</p:attrName>
+                                        </p:attrNameLst>
+                                      </p:cBhvr>
+                                      <p:to>
+                                        <p:strVal val="visible"/>
+                                      </p:to>
+                                    </p:set>
+                                    <p:animEffect transition="in" filter="fade">
+                                      <p:cBhvr>
+                                        <p:cTn id="51" dur="500"/>
+                                        <p:tgtEl>
+                                          <p:spTgt spid="3">
+                                            <p:txEl>
+                                              <p:pRg st="18" end="18"/>
+                                            </p:txEl>
+                                          </p:spTgt>
+                                        </p:tgtEl>
+                                      </p:cBhvr>
+                                    </p:animEffect>
+                                  </p:childTnLst>
+                                </p:cTn>
+                              </p:par>
+                              <p:par>
+                                <p:cTn id="52" presetID="10" presetClass="entr" presetSubtype="0" fill="hold" nodeType="withEffect">
+                                  <p:stCondLst>
+                                    <p:cond delay="0"/>
+                                  </p:stCondLst>
+                                  <p:childTnLst>
+                                    <p:set>
+                                      <p:cBhvr>
+                                        <p:cTn id="53" dur="1" fill="hold">
+                                          <p:stCondLst>
+                                            <p:cond delay="0"/>
+                                          </p:stCondLst>
+                                        </p:cTn>
+                                        <p:tgtEl>
+                                          <p:spTgt spid="3">
+                                            <p:txEl>
+                                              <p:pRg st="19" end="19"/>
+                                            </p:txEl>
+                                          </p:spTgt>
+                                        </p:tgtEl>
+                                        <p:attrNameLst>
+                                          <p:attrName>style.visibility</p:attrName>
+                                        </p:attrNameLst>
+                                      </p:cBhvr>
+                                      <p:to>
+                                        <p:strVal val="visible"/>
+                                      </p:to>
+                                    </p:set>
+                                    <p:animEffect transition="in" filter="fade">
+                                      <p:cBhvr>
+                                        <p:cTn id="54" dur="500"/>
+                                        <p:tgtEl>
+                                          <p:spTgt spid="3">
+                                            <p:txEl>
+                                              <p:pRg st="19" end="19"/>
+                                            </p:txEl>
+                                          </p:spTgt>
+                                        </p:tgtEl>
+                                      </p:cBhvr>
+                                    </p:animEffect>
+                                  </p:childTnLst>
+                                </p:cTn>
+                              </p:par>
+                              <p:par>
+                                <p:cTn id="55" presetID="10" presetClass="entr" presetSubtype="0" fill="hold" nodeType="withEffect">
+                                  <p:stCondLst>
+                                    <p:cond delay="0"/>
+                                  </p:stCondLst>
+                                  <p:childTnLst>
+                                    <p:set>
+                                      <p:cBhvr>
+                                        <p:cTn id="56" dur="1" fill="hold">
+                                          <p:stCondLst>
+                                            <p:cond delay="0"/>
+                                          </p:stCondLst>
+                                        </p:cTn>
+                                        <p:tgtEl>
+                                          <p:spTgt spid="3">
+                                            <p:txEl>
+                                              <p:pRg st="20" end="20"/>
+                                            </p:txEl>
+                                          </p:spTgt>
+                                        </p:tgtEl>
+                                        <p:attrNameLst>
+                                          <p:attrName>style.visibility</p:attrName>
+                                        </p:attrNameLst>
+                                      </p:cBhvr>
+                                      <p:to>
+                                        <p:strVal val="visible"/>
+                                      </p:to>
+                                    </p:set>
+                                    <p:animEffect transition="in" filter="fade">
+                                      <p:cBhvr>
+                                        <p:cTn id="57" dur="500"/>
+                                        <p:tgtEl>
+                                          <p:spTgt spid="3">
+                                            <p:txEl>
+                                              <p:pRg st="20" end="20"/>
+                                            </p:txEl>
+                                          </p:spTgt>
+                                        </p:tgtEl>
+                                      </p:cBhvr>
+                                    </p:animEffect>
+                                  </p:childTnLst>
+                                </p:cTn>
+                              </p:par>
+                              <p:par>
+                                <p:cTn id="58" presetID="10" presetClass="entr" presetSubtype="0" fill="hold" nodeType="withEffect">
+                                  <p:stCondLst>
+                                    <p:cond delay="0"/>
+                                  </p:stCondLst>
+                                  <p:childTnLst>
+                                    <p:set>
+                                      <p:cBhvr>
+                                        <p:cTn id="59" dur="1" fill="hold">
+                                          <p:stCondLst>
+                                            <p:cond delay="0"/>
+                                          </p:stCondLst>
+                                        </p:cTn>
+                                        <p:tgtEl>
+                                          <p:spTgt spid="3">
+                                            <p:txEl>
+                                              <p:pRg st="21" end="21"/>
+                                            </p:txEl>
+                                          </p:spTgt>
+                                        </p:tgtEl>
+                                        <p:attrNameLst>
+                                          <p:attrName>style.visibility</p:attrName>
+                                        </p:attrNameLst>
+                                      </p:cBhvr>
+                                      <p:to>
+                                        <p:strVal val="visible"/>
+                                      </p:to>
+                                    </p:set>
+                                    <p:animEffect transition="in" filter="fade">
+                                      <p:cBhvr>
+                                        <p:cTn id="60" dur="500"/>
+                                        <p:tgtEl>
+                                          <p:spTgt spid="3">
+                                            <p:txEl>
+                                              <p:pRg st="21" end="21"/>
+                                            </p:txEl>
+                                          </p:spTgt>
+                                        </p:tgtEl>
+                                      </p:cBhvr>
+                                    </p:animEffect>
+                                  </p:childTnLst>
+                                </p:cTn>
+                              </p:par>
+                              <p:par>
+                                <p:cTn id="61" presetID="10" presetClass="entr" presetSubtype="0" fill="hold" nodeType="withEffect">
+                                  <p:stCondLst>
+                                    <p:cond delay="0"/>
+                                  </p:stCondLst>
+                                  <p:childTnLst>
+                                    <p:set>
+                                      <p:cBhvr>
+                                        <p:cTn id="62" dur="1" fill="hold">
+                                          <p:stCondLst>
+                                            <p:cond delay="0"/>
+                                          </p:stCondLst>
+                                        </p:cTn>
+                                        <p:tgtEl>
+                                          <p:spTgt spid="3">
+                                            <p:txEl>
+                                              <p:pRg st="22" end="22"/>
+                                            </p:txEl>
+                                          </p:spTgt>
+                                        </p:tgtEl>
+                                        <p:attrNameLst>
+                                          <p:attrName>style.visibility</p:attrName>
+                                        </p:attrNameLst>
+                                      </p:cBhvr>
+                                      <p:to>
+                                        <p:strVal val="visible"/>
+                                      </p:to>
+                                    </p:set>
+                                    <p:animEffect transition="in" filter="fade">
+                                      <p:cBhvr>
+                                        <p:cTn id="63" dur="500"/>
+                                        <p:tgtEl>
+                                          <p:spTgt spid="3">
+                                            <p:txEl>
+                                              <p:pRg st="22" end="22"/>
+                                            </p:txEl>
+                                          </p:spTgt>
+                                        </p:tgtEl>
+                                      </p:cBhvr>
+                                    </p:animEffect>
+                                  </p:childTnLst>
+                                </p:cTn>
+                              </p:par>
+                              <p:par>
+                                <p:cTn id="64" presetID="10" presetClass="entr" presetSubtype="0" fill="hold" nodeType="withEffect">
+                                  <p:stCondLst>
+                                    <p:cond delay="0"/>
+                                  </p:stCondLst>
+                                  <p:childTnLst>
+                                    <p:set>
+                                      <p:cBhvr>
+                                        <p:cTn id="65" dur="1" fill="hold">
+                                          <p:stCondLst>
+                                            <p:cond delay="0"/>
+                                          </p:stCondLst>
+                                        </p:cTn>
+                                        <p:tgtEl>
+                                          <p:spTgt spid="3">
+                                            <p:txEl>
+                                              <p:pRg st="23" end="23"/>
+                                            </p:txEl>
+                                          </p:spTgt>
+                                        </p:tgtEl>
+                                        <p:attrNameLst>
+                                          <p:attrName>style.visibility</p:attrName>
+                                        </p:attrNameLst>
+                                      </p:cBhvr>
+                                      <p:to>
+                                        <p:strVal val="visible"/>
+                                      </p:to>
+                                    </p:set>
+                                    <p:animEffect transition="in" filter="fade">
+                                      <p:cBhvr>
+                                        <p:cTn id="66" dur="500"/>
+                                        <p:tgtEl>
+                                          <p:spTgt spid="3">
+                                            <p:txEl>
+                                              <p:pRg st="23" end="23"/>
+                                            </p:txEl>
+                                          </p:spTgt>
+                                        </p:tgtEl>
+                                      </p:cBhvr>
+                                    </p:animEffect>
+                                  </p:childTnLst>
+                                </p:cTn>
+                              </p:par>
+                              <p:par>
+                                <p:cTn id="67" presetID="10" presetClass="entr" presetSubtype="0" fill="hold" nodeType="withEffect">
+                                  <p:stCondLst>
+                                    <p:cond delay="0"/>
+                                  </p:stCondLst>
+                                  <p:childTnLst>
+                                    <p:set>
+                                      <p:cBhvr>
+                                        <p:cTn id="68" dur="1" fill="hold">
+                                          <p:stCondLst>
+                                            <p:cond delay="0"/>
+                                          </p:stCondLst>
+                                        </p:cTn>
+                                        <p:tgtEl>
+                                          <p:spTgt spid="3">
+                                            <p:txEl>
+                                              <p:pRg st="24" end="24"/>
+                                            </p:txEl>
+                                          </p:spTgt>
+                                        </p:tgtEl>
+                                        <p:attrNameLst>
+                                          <p:attrName>style.visibility</p:attrName>
+                                        </p:attrNameLst>
+                                      </p:cBhvr>
+                                      <p:to>
+                                        <p:strVal val="visible"/>
+                                      </p:to>
+                                    </p:set>
+                                    <p:animEffect transition="in" filter="fade">
+                                      <p:cBhvr>
+                                        <p:cTn id="69" dur="500"/>
+                                        <p:tgtEl>
+                                          <p:spTgt spid="3">
+                                            <p:txEl>
+                                              <p:pRg st="24" end="24"/>
+                                            </p:txEl>
+                                          </p:spTgt>
+                                        </p:tgtEl>
+                                      </p:cBhvr>
+                                    </p:animEffect>
+                                  </p:childTnLst>
+                                </p:cTn>
+                              </p:par>
+                              <p:par>
+                                <p:cTn id="70" presetID="10" presetClass="entr" presetSubtype="0" fill="hold" nodeType="withEffect">
+                                  <p:stCondLst>
+                                    <p:cond delay="0"/>
+                                  </p:stCondLst>
+                                  <p:childTnLst>
+                                    <p:set>
+                                      <p:cBhvr>
+                                        <p:cTn id="71" dur="1" fill="hold">
+                                          <p:stCondLst>
+                                            <p:cond delay="0"/>
+                                          </p:stCondLst>
+                                        </p:cTn>
+                                        <p:tgtEl>
+                                          <p:spTgt spid="3">
+                                            <p:txEl>
+                                              <p:pRg st="25" end="25"/>
+                                            </p:txEl>
+                                          </p:spTgt>
+                                        </p:tgtEl>
+                                        <p:attrNameLst>
+                                          <p:attrName>style.visibility</p:attrName>
+                                        </p:attrNameLst>
+                                      </p:cBhvr>
+                                      <p:to>
+                                        <p:strVal val="visible"/>
+                                      </p:to>
+                                    </p:set>
+                                    <p:animEffect transition="in" filter="fade">
+                                      <p:cBhvr>
+                                        <p:cTn id="72" dur="500"/>
+                                        <p:tgtEl>
+                                          <p:spTgt spid="3">
+                                            <p:txEl>
+                                              <p:pRg st="25" end="25"/>
+                                            </p:txEl>
+                                          </p:spTgt>
+                                        </p:tgtEl>
+                                      </p:cBhvr>
+                                    </p:animEffect>
+                                  </p:childTnLst>
+                                </p:cTn>
+                              </p:par>
+                              <p:par>
+                                <p:cTn id="73" presetID="10" presetClass="entr" presetSubtype="0" fill="hold" nodeType="withEffect">
+                                  <p:stCondLst>
+                                    <p:cond delay="0"/>
+                                  </p:stCondLst>
+                                  <p:childTnLst>
+                                    <p:set>
+                                      <p:cBhvr>
+                                        <p:cTn id="74" dur="1" fill="hold">
+                                          <p:stCondLst>
+                                            <p:cond delay="0"/>
+                                          </p:stCondLst>
+                                        </p:cTn>
+                                        <p:tgtEl>
+                                          <p:spTgt spid="3">
+                                            <p:txEl>
+                                              <p:pRg st="26" end="26"/>
+                                            </p:txEl>
+                                          </p:spTgt>
+                                        </p:tgtEl>
+                                        <p:attrNameLst>
+                                          <p:attrName>style.visibility</p:attrName>
+                                        </p:attrNameLst>
+                                      </p:cBhvr>
+                                      <p:to>
+                                        <p:strVal val="visible"/>
+                                      </p:to>
+                                    </p:set>
+                                    <p:animEffect transition="in" filter="fade">
+                                      <p:cBhvr>
+                                        <p:cTn id="75" dur="500"/>
+                                        <p:tgtEl>
+                                          <p:spTgt spid="3">
+                                            <p:txEl>
+                                              <p:pRg st="26" end="26"/>
+                                            </p:txEl>
+                                          </p:spTgt>
+                                        </p:tgtEl>
+                                      </p:cBhvr>
+                                    </p:animEffect>
+                                  </p:childTnLst>
+                                </p:cTn>
+                              </p:par>
+                            </p:childTnLst>
+                          </p:cTn>
+                        </p:par>
+                      </p:childTnLst>
+                    </p:cTn>
+                  </p:par>
+                </p:childTnLst>
+              </p:cTn>
+              <p:prevCondLst>
+                <p:cond evt="onPrev" delay="0">
+                  <p:tgtEl>
+                    <p:sldTgt/>
+                  </p:tgtEl>
+                </p:cond>
+              </p:prevCondLst>
+              <p:nextCondLst>
+                <p:cond evt="onNext" delay="0">
+                  <p:tgtEl>
+                    <p:sldTgt/>
+                  </p:tgtEl>
+                </p:cond>
+              </p:nextCondLst>
+            </p:seq>
+          </p:childTnLst>
+        </p:cTn>
       </p:par>
     </p:tnLst>
   </p:timing>
@@ -10590,13 +12880,6 @@
   <p:clrMapOvr>
     <a:masterClrMapping/>
   </p:clrMapOvr>
-  <p:timing>
-    <p:tnLst>
-      <p:par>
-        <p:cTn id="1" dur="indefinite" restart="never" nodeType="tmRoot"/>
-      </p:par>
-    </p:tnLst>
-  </p:timing>
 </p:sld>
 </file>
 
@@ -11638,13 +13921,6 @@
   <p:clrMapOvr>
     <a:masterClrMapping/>
   </p:clrMapOvr>
-  <p:timing>
-    <p:tnLst>
-      <p:par>
-        <p:cTn id="1" dur="indefinite" restart="never" nodeType="tmRoot"/>
-      </p:par>
-    </p:tnLst>
-  </p:timing>
 </p:sld>
 </file>
 
@@ -11733,13 +14009,6 @@
   <p:clrMapOvr>
     <a:masterClrMapping/>
   </p:clrMapOvr>
-  <p:timing>
-    <p:tnLst>
-      <p:par>
-        <p:cTn id="1" dur="indefinite" restart="never" nodeType="tmRoot"/>
-      </p:par>
-    </p:tnLst>
-  </p:timing>
 </p:sld>
 </file>
 
@@ -11834,13 +14103,6 @@
   <p:clrMapOvr>
     <a:masterClrMapping/>
   </p:clrMapOvr>
-  <p:timing>
-    <p:tnLst>
-      <p:par>
-        <p:cTn id="1" dur="indefinite" restart="never" nodeType="tmRoot"/>
-      </p:par>
-    </p:tnLst>
-  </p:timing>
 </p:sld>
 </file>
 
